--- a/TermProject/Presentation/Planning/PPT 1.pptx
+++ b/TermProject/Presentation/Planning/PPT 1.pptx
@@ -15,8 +15,8 @@
     <p:sldId id="674" r:id="rId6"/>
     <p:sldId id="671" r:id="rId7"/>
     <p:sldId id="673" r:id="rId8"/>
-    <p:sldId id="676" r:id="rId9"/>
-    <p:sldId id="677" r:id="rId10"/>
+    <p:sldId id="677" r:id="rId9"/>
+    <p:sldId id="676" r:id="rId10"/>
     <p:sldId id="678" r:id="rId11"/>
     <p:sldId id="679" r:id="rId12"/>
     <p:sldId id="680" r:id="rId13"/>
@@ -40809,6 +40809,36 @@
               </a:rPr>
               <a:t>개발계획</a:t>
             </a:r>
+            <a:r>
+              <a:rPr lang="en-US" altLang="ko-KR" sz="2000" dirty="0">
+                <a:solidFill>
+                  <a:srgbClr val="44546A">
+                    <a:lumMod val="75000"/>
+                  </a:srgbClr>
+                </a:solidFill>
+              </a:rPr>
+              <a:t>(</a:t>
+            </a:r>
+            <a:r>
+              <a:rPr lang="en-US" altLang="ko-KR" sz="2000" dirty="0" err="1">
+                <a:solidFill>
+                  <a:srgbClr val="44546A">
+                    <a:lumMod val="75000"/>
+                  </a:srgbClr>
+                </a:solidFill>
+              </a:rPr>
+              <a:t>Todo</a:t>
+            </a:r>
+            <a:r>
+              <a:rPr lang="en-US" altLang="ko-KR" sz="2000" dirty="0">
+                <a:solidFill>
+                  <a:srgbClr val="44546A">
+                    <a:lumMod val="75000"/>
+                  </a:srgbClr>
+                </a:solidFill>
+              </a:rPr>
+              <a:t>)</a:t>
+            </a:r>
             <a:endParaRPr lang="ko-KR" altLang="en-US" sz="6000" dirty="0">
               <a:solidFill>
                 <a:srgbClr val="44546A">
@@ -41976,7 +42006,7 @@
           <p:nvPr>
             <p:extLst>
               <p:ext uri="{D42A27DB-BD31-4B8C-83A1-F6EECF244321}">
-                <p14:modId xmlns:p14="http://schemas.microsoft.com/office/powerpoint/2010/main" val="847741754"/>
+                <p14:modId xmlns:p14="http://schemas.microsoft.com/office/powerpoint/2010/main" val="265649237"/>
               </p:ext>
             </p:extLst>
           </p:nvPr>
@@ -42203,11 +42233,6 @@
                         <a:rPr lang="ko-KR" altLang="en-US" dirty="0"/>
                         <a:t>로고제작</a:t>
                       </a:r>
-                      <a:r>
-                        <a:rPr lang="en-US" altLang="ko-KR" dirty="0"/>
-                        <a:t>,</a:t>
-                      </a:r>
-                      <a:endParaRPr lang="ko-KR" altLang="en-US" dirty="0"/>
                     </a:p>
                   </a:txBody>
                   <a:tcPr/>
@@ -42592,7 +42617,7 @@
                   </a:srgbClr>
                 </a:solidFill>
               </a:rPr>
-              <a:t>Tic-Tac-Toe</a:t>
+              <a:t>Done</a:t>
             </a:r>
             <a:endParaRPr lang="ko-KR" altLang="en-US" sz="6000" dirty="0">
               <a:solidFill>
@@ -43749,7 +43774,7 @@
     </p:spTree>
     <p:extLst>
       <p:ext uri="{BB962C8B-B14F-4D97-AF65-F5344CB8AC3E}">
-        <p14:creationId xmlns:p14="http://schemas.microsoft.com/office/powerpoint/2010/main" val="3732834427"/>
+        <p14:creationId xmlns:p14="http://schemas.microsoft.com/office/powerpoint/2010/main" val="2168959858"/>
       </p:ext>
     </p:extLst>
   </p:cSld>
@@ -43892,7 +43917,7 @@
                   </a:srgbClr>
                 </a:solidFill>
               </a:rPr>
-              <a:t>111</a:t>
+              <a:t>Tic-Tac-Toe</a:t>
             </a:r>
             <a:endParaRPr lang="ko-KR" altLang="en-US" sz="6000" dirty="0">
               <a:solidFill>
@@ -45049,7 +45074,7 @@
     </p:spTree>
     <p:extLst>
       <p:ext uri="{BB962C8B-B14F-4D97-AF65-F5344CB8AC3E}">
-        <p14:creationId xmlns:p14="http://schemas.microsoft.com/office/powerpoint/2010/main" val="2168959858"/>
+        <p14:creationId xmlns:p14="http://schemas.microsoft.com/office/powerpoint/2010/main" val="3732834427"/>
       </p:ext>
     </p:extLst>
   </p:cSld>
